--- a/resources/class05/asymptotic-notation.pptx
+++ b/resources/class05/asymptotic-notation.pptx
@@ -14,6 +14,9 @@
     <p:sldId id="315" r:id="rId8"/>
     <p:sldId id="329" r:id="rId9"/>
     <p:sldId id="316" r:id="rId10"/>
+    <p:sldId id="330" r:id="rId11"/>
+    <p:sldId id="331" r:id="rId12"/>
+    <p:sldId id="332" r:id="rId13"/>
   </p:sldIdLst>
   <p:sldSz cx="12192000" cy="6858000"/>
   <p:notesSz cx="6858000" cy="9144000"/>
@@ -3025,6 +3028,457 @@
 </p:sld>
 </file>
 
+<file path=ppt/slides/slide10.xml><?xml version="1.0" encoding="utf-8"?>
+<p:sld xmlns:a="http://schemas.openxmlformats.org/drawingml/2006/main" xmlns:r="http://schemas.openxmlformats.org/officeDocument/2006/relationships" xmlns:p="http://schemas.openxmlformats.org/presentationml/2006/main">
+  <p:cSld>
+    <p:spTree>
+      <p:nvGrpSpPr>
+        <p:cNvPr id="1" name=""/>
+        <p:cNvGrpSpPr/>
+        <p:nvPr/>
+      </p:nvGrpSpPr>
+      <p:grpSpPr>
+        <a:xfrm>
+          <a:off x="0" y="0"/>
+          <a:ext cx="0" cy="0"/>
+          <a:chOff x="0" y="0"/>
+          <a:chExt cx="0" cy="0"/>
+        </a:xfrm>
+      </p:grpSpPr>
+      <p:sp>
+        <p:nvSpPr>
+          <p:cNvPr id="2" name="Title 1">
+            <a:extLst>
+              <a:ext uri="{FF2B5EF4-FFF2-40B4-BE49-F238E27FC236}">
+                <a16:creationId xmlns:a16="http://schemas.microsoft.com/office/drawing/2014/main" id="{F6330FD3-B59E-42CA-81EC-EB5450DF71E7}"/>
+              </a:ext>
+            </a:extLst>
+          </p:cNvPr>
+          <p:cNvSpPr>
+            <a:spLocks noGrp="1"/>
+          </p:cNvSpPr>
+          <p:nvPr>
+            <p:ph type="title"/>
+          </p:nvPr>
+        </p:nvSpPr>
+        <p:spPr/>
+        <p:txBody>
+          <a:bodyPr/>
+          <a:lstStyle/>
+          <a:p>
+            <a:r>
+              <a:rPr lang="en-US" dirty="0"/>
+              <a:t>Program running time</a:t>
+            </a:r>
+          </a:p>
+        </p:txBody>
+      </p:sp>
+      <mc:AlternateContent xmlns:mc="http://schemas.openxmlformats.org/markup-compatibility/2006">
+        <mc:Choice xmlns:a14="http://schemas.microsoft.com/office/drawing/2010/main" Requires="a14">
+          <p:sp>
+            <p:nvSpPr>
+              <p:cNvPr id="3" name="Content Placeholder 2">
+                <a:extLst>
+                  <a:ext uri="{FF2B5EF4-FFF2-40B4-BE49-F238E27FC236}">
+                    <a16:creationId xmlns:a16="http://schemas.microsoft.com/office/drawing/2014/main" id="{82979C7C-B4DD-442C-8087-7D2A016E649F}"/>
+                  </a:ext>
+                </a:extLst>
+              </p:cNvPr>
+              <p:cNvSpPr>
+                <a:spLocks noGrp="1"/>
+              </p:cNvSpPr>
+              <p:nvPr>
+                <p:ph idx="1"/>
+              </p:nvPr>
+            </p:nvSpPr>
+            <p:spPr>
+              <a:xfrm>
+                <a:off x="838200" y="1825625"/>
+                <a:ext cx="10515600" cy="3127375"/>
+              </a:xfrm>
+            </p:spPr>
+            <p:txBody>
+              <a:bodyPr>
+                <a:normAutofit fontScale="92500" lnSpcReduction="20000"/>
+              </a:bodyPr>
+              <a:lstStyle/>
+              <a:p>
+                <a:r>
+                  <a:rPr lang="en-US" sz="3200" dirty="0"/>
+                  <a:t>Need to agree on a definition for:</a:t>
+                </a:r>
+              </a:p>
+              <a:p>
+                <a:pPr lvl="1"/>
+                <a14:m>
+                  <m:oMath xmlns:m="http://schemas.openxmlformats.org/officeDocument/2006/math">
+                    <m:r>
+                      <a:rPr lang="en-US" sz="2800" i="1" dirty="0" smtClean="0">
+                        <a:latin typeface="Cambria Math" panose="02040503050406030204" pitchFamily="18" charset="0"/>
+                      </a:rPr>
+                      <m:t>𝑛</m:t>
+                    </m:r>
+                  </m:oMath>
+                </a14:m>
+                <a:r>
+                  <a:rPr lang="en-US" sz="2800" dirty="0"/>
+                  <a:t>, the size of the input</a:t>
+                </a:r>
+              </a:p>
+              <a:p>
+                <a:pPr lvl="2"/>
+                <a:r>
+                  <a:rPr lang="en-US" sz="2400" dirty="0"/>
+                  <a:t>Examples: The length of the input, or the numerical value of the input, or the number of items in the input</a:t>
+                </a:r>
+              </a:p>
+              <a:p>
+                <a:pPr lvl="1"/>
+                <a:r>
+                  <a:rPr lang="en-US" sz="2800" dirty="0"/>
+                  <a:t>basic operation</a:t>
+                </a:r>
+              </a:p>
+              <a:p>
+                <a:pPr lvl="2"/>
+                <a:r>
+                  <a:rPr lang="en-US" sz="2400" dirty="0"/>
+                  <a:t>Examples: The number of lines of code executed, or the number of arithmetic operations (e.g. add or multiply) performed, or the number of times a particular method is called</a:t>
+                </a:r>
+              </a:p>
+              <a:p>
+                <a:r>
+                  <a:rPr lang="en-US" sz="3200" dirty="0"/>
+                  <a:t>See OpenDSA textbook examples 2.3.1 and 2.3.2</a:t>
+                </a:r>
+              </a:p>
+            </p:txBody>
+          </p:sp>
+        </mc:Choice>
+        <mc:Fallback>
+          <p:sp>
+            <p:nvSpPr>
+              <p:cNvPr id="3" name="Content Placeholder 2">
+                <a:extLst>
+                  <a:ext uri="{FF2B5EF4-FFF2-40B4-BE49-F238E27FC236}">
+                    <a16:creationId xmlns:a16="http://schemas.microsoft.com/office/drawing/2014/main" id="{82979C7C-B4DD-442C-8087-7D2A016E649F}"/>
+                  </a:ext>
+                </a:extLst>
+              </p:cNvPr>
+              <p:cNvSpPr>
+                <a:spLocks noGrp="1" noRot="1" noChangeAspect="1" noMove="1" noResize="1" noEditPoints="1" noAdjustHandles="1" noChangeArrowheads="1" noChangeShapeType="1" noTextEdit="1"/>
+              </p:cNvSpPr>
+              <p:nvPr>
+                <p:ph idx="1"/>
+              </p:nvPr>
+            </p:nvSpPr>
+            <p:spPr>
+              <a:xfrm>
+                <a:off x="838200" y="1825625"/>
+                <a:ext cx="10515600" cy="3127375"/>
+              </a:xfrm>
+              <a:blipFill>
+                <a:blip r:embed="rId2"/>
+                <a:stretch>
+                  <a:fillRect l="-1217" t="-6226" r="-58"/>
+                </a:stretch>
+              </a:blipFill>
+            </p:spPr>
+            <p:txBody>
+              <a:bodyPr/>
+              <a:lstStyle/>
+              <a:p>
+                <a:r>
+                  <a:rPr lang="en-US">
+                    <a:noFill/>
+                  </a:rPr>
+                  <a:t> </a:t>
+                </a:r>
+              </a:p>
+            </p:txBody>
+          </p:sp>
+        </mc:Fallback>
+      </mc:AlternateContent>
+    </p:spTree>
+    <p:extLst>
+      <p:ext uri="{BB962C8B-B14F-4D97-AF65-F5344CB8AC3E}">
+        <p14:creationId xmlns:p14="http://schemas.microsoft.com/office/powerpoint/2010/main" val="2109093041"/>
+      </p:ext>
+    </p:extLst>
+  </p:cSld>
+  <p:clrMapOvr>
+    <a:masterClrMapping/>
+  </p:clrMapOvr>
+</p:sld>
+</file>
+
+<file path=ppt/slides/slide11.xml><?xml version="1.0" encoding="utf-8"?>
+<p:sld xmlns:a="http://schemas.openxmlformats.org/drawingml/2006/main" xmlns:r="http://schemas.openxmlformats.org/officeDocument/2006/relationships" xmlns:p="http://schemas.openxmlformats.org/presentationml/2006/main">
+  <p:cSld>
+    <p:spTree>
+      <p:nvGrpSpPr>
+        <p:cNvPr id="1" name=""/>
+        <p:cNvGrpSpPr/>
+        <p:nvPr/>
+      </p:nvGrpSpPr>
+      <p:grpSpPr>
+        <a:xfrm>
+          <a:off x="0" y="0"/>
+          <a:ext cx="0" cy="0"/>
+          <a:chOff x="0" y="0"/>
+          <a:chExt cx="0" cy="0"/>
+        </a:xfrm>
+      </p:grpSpPr>
+      <p:sp>
+        <p:nvSpPr>
+          <p:cNvPr id="2" name="Title 1">
+            <a:extLst>
+              <a:ext uri="{FF2B5EF4-FFF2-40B4-BE49-F238E27FC236}">
+                <a16:creationId xmlns:a16="http://schemas.microsoft.com/office/drawing/2014/main" id="{70A678A0-63BD-459E-890D-128FEDA033A0}"/>
+              </a:ext>
+            </a:extLst>
+          </p:cNvPr>
+          <p:cNvSpPr>
+            <a:spLocks noGrp="1"/>
+          </p:cNvSpPr>
+          <p:nvPr>
+            <p:ph type="title"/>
+          </p:nvPr>
+        </p:nvSpPr>
+        <p:spPr/>
+        <p:txBody>
+          <a:bodyPr/>
+          <a:lstStyle/>
+          <a:p>
+            <a:r>
+              <a:rPr lang="en-US" dirty="0"/>
+              <a:t>Examples of program running time </a:t>
+            </a:r>
+            <a:br>
+              <a:rPr lang="en-US" dirty="0"/>
+            </a:br>
+            <a:r>
+              <a:rPr lang="en-US" sz="3600" dirty="0"/>
+              <a:t>(example 2.8.4 in OpenDSA textbook)</a:t>
+            </a:r>
+          </a:p>
+        </p:txBody>
+      </p:sp>
+      <p:pic>
+        <p:nvPicPr>
+          <p:cNvPr id="6" name="Content Placeholder 5">
+            <a:extLst>
+              <a:ext uri="{FF2B5EF4-FFF2-40B4-BE49-F238E27FC236}">
+                <a16:creationId xmlns:a16="http://schemas.microsoft.com/office/drawing/2014/main" id="{FF5116E1-D864-46CB-9B4A-9CF7815F1DF4}"/>
+              </a:ext>
+            </a:extLst>
+          </p:cNvPr>
+          <p:cNvPicPr>
+            <a:picLocks noGrp="1" noChangeAspect="1"/>
+          </p:cNvPicPr>
+          <p:nvPr>
+            <p:ph idx="1"/>
+          </p:nvPr>
+        </p:nvPicPr>
+        <p:blipFill>
+          <a:blip r:embed="rId2"/>
+          <a:stretch>
+            <a:fillRect/>
+          </a:stretch>
+        </p:blipFill>
+        <p:spPr>
+          <a:xfrm>
+            <a:off x="577043" y="2025650"/>
+            <a:ext cx="7056464" cy="4351338"/>
+          </a:xfrm>
+        </p:spPr>
+      </p:pic>
+      <p:sp>
+        <p:nvSpPr>
+          <p:cNvPr id="7" name="TextBox 6">
+            <a:extLst>
+              <a:ext uri="{FF2B5EF4-FFF2-40B4-BE49-F238E27FC236}">
+                <a16:creationId xmlns:a16="http://schemas.microsoft.com/office/drawing/2014/main" id="{57692EB8-54F5-4E9E-9EB2-32198872B1E1}"/>
+              </a:ext>
+            </a:extLst>
+          </p:cNvPr>
+          <p:cNvSpPr txBox="1"/>
+          <p:nvPr/>
+        </p:nvSpPr>
+        <p:spPr>
+          <a:xfrm>
+            <a:off x="7738601" y="1937877"/>
+            <a:ext cx="4097660" cy="1200329"/>
+          </a:xfrm>
+          <a:prstGeom prst="rect">
+            <a:avLst/>
+          </a:prstGeom>
+          <a:noFill/>
+        </p:spPr>
+        <p:txBody>
+          <a:bodyPr wrap="none" rtlCol="0">
+            <a:spAutoFit/>
+          </a:bodyPr>
+          <a:lstStyle/>
+          <a:p>
+            <a:r>
+              <a:rPr lang="en-US" dirty="0"/>
+              <a:t>For each snippet: </a:t>
+            </a:r>
+          </a:p>
+          <a:p>
+            <a:pPr marL="742950" lvl="1" indent="-285750">
+              <a:buFont typeface="Arial" panose="020B0604020202020204" pitchFamily="34" charset="0"/>
+              <a:buChar char="•"/>
+            </a:pPr>
+            <a:r>
+              <a:rPr lang="en-US" dirty="0"/>
+              <a:t>What is input size? </a:t>
+            </a:r>
+          </a:p>
+          <a:p>
+            <a:pPr marL="742950" lvl="1" indent="-285750">
+              <a:buFont typeface="Arial" panose="020B0604020202020204" pitchFamily="34" charset="0"/>
+              <a:buChar char="•"/>
+            </a:pPr>
+            <a:r>
+              <a:rPr lang="en-US" dirty="0"/>
+              <a:t>What is basic operation? </a:t>
+            </a:r>
+          </a:p>
+          <a:p>
+            <a:pPr marL="742950" lvl="1" indent="-285750">
+              <a:buFont typeface="Arial" panose="020B0604020202020204" pitchFamily="34" charset="0"/>
+              <a:buChar char="•"/>
+            </a:pPr>
+            <a:r>
+              <a:rPr lang="en-US" dirty="0"/>
+              <a:t>What is asymptotic running time?</a:t>
+            </a:r>
+          </a:p>
+        </p:txBody>
+      </p:sp>
+    </p:spTree>
+    <p:extLst>
+      <p:ext uri="{BB962C8B-B14F-4D97-AF65-F5344CB8AC3E}">
+        <p14:creationId xmlns:p14="http://schemas.microsoft.com/office/powerpoint/2010/main" val="2533032823"/>
+      </p:ext>
+    </p:extLst>
+  </p:cSld>
+  <p:clrMapOvr>
+    <a:masterClrMapping/>
+  </p:clrMapOvr>
+</p:sld>
+</file>
+
+<file path=ppt/slides/slide12.xml><?xml version="1.0" encoding="utf-8"?>
+<p:sld xmlns:a="http://schemas.openxmlformats.org/drawingml/2006/main" xmlns:r="http://schemas.openxmlformats.org/officeDocument/2006/relationships" xmlns:p="http://schemas.openxmlformats.org/presentationml/2006/main">
+  <p:cSld>
+    <p:spTree>
+      <p:nvGrpSpPr>
+        <p:cNvPr id="1" name=""/>
+        <p:cNvGrpSpPr/>
+        <p:nvPr/>
+      </p:nvGrpSpPr>
+      <p:grpSpPr>
+        <a:xfrm>
+          <a:off x="0" y="0"/>
+          <a:ext cx="0" cy="0"/>
+          <a:chOff x="0" y="0"/>
+          <a:chExt cx="0" cy="0"/>
+        </a:xfrm>
+      </p:grpSpPr>
+      <p:sp>
+        <p:nvSpPr>
+          <p:cNvPr id="2" name="Title 1">
+            <a:extLst>
+              <a:ext uri="{FF2B5EF4-FFF2-40B4-BE49-F238E27FC236}">
+                <a16:creationId xmlns:a16="http://schemas.microsoft.com/office/drawing/2014/main" id="{D32B369C-5062-4872-A322-DF3E2A2FA924}"/>
+              </a:ext>
+            </a:extLst>
+          </p:cNvPr>
+          <p:cNvSpPr>
+            <a:spLocks noGrp="1"/>
+          </p:cNvSpPr>
+          <p:nvPr>
+            <p:ph type="title"/>
+          </p:nvPr>
+        </p:nvSpPr>
+        <p:spPr/>
+        <p:txBody>
+          <a:bodyPr/>
+          <a:lstStyle/>
+          <a:p>
+            <a:r>
+              <a:rPr lang="en-US" dirty="0"/>
+              <a:t>Best, worst and average case</a:t>
+            </a:r>
+          </a:p>
+        </p:txBody>
+      </p:sp>
+      <p:sp>
+        <p:nvSpPr>
+          <p:cNvPr id="3" name="Content Placeholder 2">
+            <a:extLst>
+              <a:ext uri="{FF2B5EF4-FFF2-40B4-BE49-F238E27FC236}">
+                <a16:creationId xmlns:a16="http://schemas.microsoft.com/office/drawing/2014/main" id="{1ECADBC0-7DF4-4875-A895-6EC171301297}"/>
+              </a:ext>
+            </a:extLst>
+          </p:cNvPr>
+          <p:cNvSpPr>
+            <a:spLocks noGrp="1"/>
+          </p:cNvSpPr>
+          <p:nvPr>
+            <p:ph idx="1"/>
+          </p:nvPr>
+        </p:nvSpPr>
+        <p:spPr/>
+        <p:txBody>
+          <a:bodyPr/>
+          <a:lstStyle/>
+          <a:p>
+            <a:r>
+              <a:rPr lang="en-US" dirty="0"/>
+              <a:t>See  </a:t>
+            </a:r>
+          </a:p>
+          <a:p>
+            <a:pPr lvl="1"/>
+            <a:r>
+              <a:rPr lang="en-US" dirty="0" err="1"/>
+              <a:t>replaceFirstX</a:t>
+            </a:r>
+            <a:r>
+              <a:rPr lang="en-US" dirty="0"/>
+              <a:t> in OpCountExamples.java</a:t>
+            </a:r>
+          </a:p>
+          <a:p>
+            <a:pPr lvl="1"/>
+            <a:r>
+              <a:rPr lang="en-US" dirty="0" err="1"/>
+              <a:t>indexOf</a:t>
+            </a:r>
+            <a:r>
+              <a:rPr lang="en-US" dirty="0"/>
+              <a:t> in AverageCase.java</a:t>
+            </a:r>
+          </a:p>
+        </p:txBody>
+      </p:sp>
+    </p:spTree>
+    <p:extLst>
+      <p:ext uri="{BB962C8B-B14F-4D97-AF65-F5344CB8AC3E}">
+        <p14:creationId xmlns:p14="http://schemas.microsoft.com/office/powerpoint/2010/main" val="3332976213"/>
+      </p:ext>
+    </p:extLst>
+  </p:cSld>
+  <p:clrMapOvr>
+    <a:masterClrMapping/>
+  </p:clrMapOvr>
+</p:sld>
+</file>
+
 <file path=ppt/slides/slide2.xml><?xml version="1.0" encoding="utf-8"?>
 <p:sld xmlns:a="http://schemas.openxmlformats.org/drawingml/2006/main" xmlns:r="http://schemas.openxmlformats.org/officeDocument/2006/relationships" xmlns:p="http://schemas.openxmlformats.org/presentationml/2006/main">
   <p:cSld>
@@ -3115,8 +3569,8 @@
           </p:sp>
         </mc:Fallback>
       </mc:AlternateContent>
-      <mc:AlternateContent xmlns:mc="http://schemas.openxmlformats.org/markup-compatibility/2006" xmlns:a14="http://schemas.microsoft.com/office/drawing/2010/main">
-        <mc:Choice Requires="a14">
+      <mc:AlternateContent xmlns:mc="http://schemas.openxmlformats.org/markup-compatibility/2006">
+        <mc:Choice xmlns:a14="http://schemas.microsoft.com/office/drawing/2010/main" Requires="a14">
           <p:sp>
             <p:nvSpPr>
               <p:cNvPr id="3" name="Content Placeholder 2"/>
@@ -3183,7 +3637,7 @@
                 <a:pPr lvl="1"/>
                 <a:r>
                   <a:rPr lang="en-US" dirty="0"/>
-                  <a:t>Analyze only </a:t>
+                  <a:t>Usually analyze the </a:t>
                 </a:r>
                 <a:r>
                   <a:rPr lang="en-US" i="1" dirty="0"/>
@@ -3212,7 +3666,7 @@
                 <a:pPr lvl="1"/>
                 <a:r>
                   <a:rPr lang="en-US" dirty="0"/>
-                  <a:t>Analyze only the </a:t>
+                  <a:t>Usually analyze only the </a:t>
                 </a:r>
                 <a:r>
                   <a:rPr lang="en-US" i="1" dirty="0"/>
@@ -3259,7 +3713,7 @@
             </p:txBody>
           </p:sp>
         </mc:Choice>
-        <mc:Fallback xmlns="">
+        <mc:Fallback>
           <p:sp>
             <p:nvSpPr>
               <p:cNvPr id="3" name="Content Placeholder 2"/>
@@ -4012,37 +4466,182 @@
           <a:chExt cx="0" cy="0"/>
         </a:xfrm>
       </p:grpSpPr>
-      <p:sp>
-        <p:nvSpPr>
-          <p:cNvPr id="2" name="Title 1">
+      <mc:AlternateContent xmlns:mc="http://schemas.openxmlformats.org/markup-compatibility/2006">
+        <mc:Choice xmlns:a14="http://schemas.microsoft.com/office/drawing/2010/main" Requires="a14">
+          <p:sp>
+            <p:nvSpPr>
+              <p:cNvPr id="2" name="Title 1">
+                <a:extLst>
+                  <a:ext uri="{FF2B5EF4-FFF2-40B4-BE49-F238E27FC236}">
+                    <a16:creationId xmlns:a16="http://schemas.microsoft.com/office/drawing/2014/main" id="{00A35B8E-45C4-4CAB-ACDC-0844B6E06D41}"/>
+                  </a:ext>
+                </a:extLst>
+              </p:cNvPr>
+              <p:cNvSpPr>
+                <a:spLocks noGrp="1"/>
+              </p:cNvSpPr>
+              <p:nvPr>
+                <p:ph type="title"/>
+              </p:nvPr>
+            </p:nvSpPr>
+            <p:spPr>
+              <a:xfrm>
+                <a:off x="838200" y="850900"/>
+                <a:ext cx="10515600" cy="1325563"/>
+              </a:xfrm>
+            </p:spPr>
+            <p:txBody>
+              <a:bodyPr>
+                <a:normAutofit/>
+              </a:bodyPr>
+              <a:lstStyle/>
+              <a:p>
+                <a:r>
+                  <a:rPr lang="en-US" dirty="0"/>
+                  <a:t>Other asymptotic notation: big-Omega </a:t>
+                </a:r>
+                <a14:m>
+                  <m:oMath xmlns:m="http://schemas.openxmlformats.org/officeDocument/2006/math">
+                    <m:r>
+                      <m:rPr>
+                        <m:sty m:val="p"/>
+                      </m:rPr>
+                      <a:rPr lang="el-GR" i="1" smtClean="0">
+                        <a:latin typeface="Cambria Math" panose="02040503050406030204" pitchFamily="18" charset="0"/>
+                        <a:ea typeface="Cambria Math" panose="02040503050406030204" pitchFamily="18" charset="0"/>
+                      </a:rPr>
+                      <m:t>Ω</m:t>
+                    </m:r>
+                  </m:oMath>
+                </a14:m>
+                <a:r>
+                  <a:rPr lang="en-US" dirty="0"/>
+                  <a:t> and big-Theta </a:t>
+                </a:r>
+                <a14:m>
+                  <m:oMath xmlns:m="http://schemas.openxmlformats.org/officeDocument/2006/math">
+                    <m:r>
+                      <m:rPr>
+                        <m:sty m:val="p"/>
+                      </m:rPr>
+                      <a:rPr lang="el-GR" i="1" smtClean="0">
+                        <a:latin typeface="Cambria Math" panose="02040503050406030204" pitchFamily="18" charset="0"/>
+                        <a:ea typeface="Cambria Math" panose="02040503050406030204" pitchFamily="18" charset="0"/>
+                      </a:rPr>
+                      <m:t>Θ</m:t>
+                    </m:r>
+                  </m:oMath>
+                </a14:m>
+                <a:endParaRPr lang="en-US" dirty="0"/>
+              </a:p>
+            </p:txBody>
+          </p:sp>
+        </mc:Choice>
+        <mc:Fallback>
+          <p:sp>
+            <p:nvSpPr>
+              <p:cNvPr id="2" name="Title 1">
+                <a:extLst>
+                  <a:ext uri="{FF2B5EF4-FFF2-40B4-BE49-F238E27FC236}">
+                    <a16:creationId xmlns:a16="http://schemas.microsoft.com/office/drawing/2014/main" id="{00A35B8E-45C4-4CAB-ACDC-0844B6E06D41}"/>
+                  </a:ext>
+                </a:extLst>
+              </p:cNvPr>
+              <p:cNvSpPr>
+                <a:spLocks noGrp="1" noRot="1" noChangeAspect="1" noMove="1" noResize="1" noEditPoints="1" noAdjustHandles="1" noChangeArrowheads="1" noChangeShapeType="1" noTextEdit="1"/>
+              </p:cNvSpPr>
+              <p:nvPr>
+                <p:ph type="title"/>
+              </p:nvPr>
+            </p:nvSpPr>
+            <p:spPr>
+              <a:xfrm>
+                <a:off x="838200" y="850900"/>
+                <a:ext cx="10515600" cy="1325563"/>
+              </a:xfrm>
+              <a:blipFill>
+                <a:blip r:embed="rId2"/>
+                <a:stretch>
+                  <a:fillRect l="-2377" t="-13825" r="-1565" b="-21198"/>
+                </a:stretch>
+              </a:blipFill>
+            </p:spPr>
+            <p:txBody>
+              <a:bodyPr/>
+              <a:lstStyle/>
+              <a:p>
+                <a:r>
+                  <a:rPr lang="en-US">
+                    <a:noFill/>
+                  </a:rPr>
+                  <a:t> </a:t>
+                </a:r>
+              </a:p>
+            </p:txBody>
+          </p:sp>
+        </mc:Fallback>
+      </mc:AlternateContent>
+      <p:pic>
+        <p:nvPicPr>
+          <p:cNvPr id="4" name="Picture 3">
             <a:extLst>
               <a:ext uri="{FF2B5EF4-FFF2-40B4-BE49-F238E27FC236}">
-                <a16:creationId xmlns:a16="http://schemas.microsoft.com/office/drawing/2014/main" id="{00A35B8E-45C4-4CAB-ACDC-0844B6E06D41}"/>
+                <a16:creationId xmlns:a16="http://schemas.microsoft.com/office/drawing/2014/main" id="{27EC66FC-9EB7-4880-B542-05C03EBA302C}"/>
               </a:ext>
             </a:extLst>
           </p:cNvPr>
-          <p:cNvSpPr>
-            <a:spLocks noGrp="1"/>
-          </p:cNvSpPr>
-          <p:nvPr>
-            <p:ph type="title"/>
-          </p:nvPr>
-        </p:nvSpPr>
+          <p:cNvPicPr>
+            <a:picLocks noChangeAspect="1"/>
+          </p:cNvPicPr>
+          <p:nvPr/>
+        </p:nvPicPr>
+        <p:blipFill>
+          <a:blip r:embed="rId3"/>
+          <a:stretch>
+            <a:fillRect/>
+          </a:stretch>
+        </p:blipFill>
         <p:spPr>
           <a:xfrm>
-            <a:off x="838200" y="1146175"/>
-            <a:ext cx="10515600" cy="1325563"/>
+            <a:off x="1388330" y="2800520"/>
+            <a:ext cx="9415340" cy="2466593"/>
           </a:xfrm>
+          <a:prstGeom prst="rect">
+            <a:avLst/>
+          </a:prstGeom>
         </p:spPr>
-        <p:txBody>
-          <a:bodyPr>
-            <a:normAutofit fontScale="90000"/>
+      </p:pic>
+      <p:sp>
+        <p:nvSpPr>
+          <p:cNvPr id="5" name="TextBox 4">
+            <a:extLst>
+              <a:ext uri="{FF2B5EF4-FFF2-40B4-BE49-F238E27FC236}">
+                <a16:creationId xmlns:a16="http://schemas.microsoft.com/office/drawing/2014/main" id="{3FF1CCB6-6073-4491-80EC-3C4182883D37}"/>
+              </a:ext>
+            </a:extLst>
+          </p:cNvPr>
+          <p:cNvSpPr txBox="1"/>
+          <p:nvPr/>
+        </p:nvSpPr>
+        <p:spPr>
+          <a:xfrm>
+            <a:off x="1666875" y="5891170"/>
+            <a:ext cx="9205790" cy="369332"/>
+          </a:xfrm>
+          <a:prstGeom prst="rect">
+            <a:avLst/>
+          </a:prstGeom>
+          <a:noFill/>
+        </p:spPr>
+        <p:txBody>
+          <a:bodyPr wrap="none" rtlCol="0">
+            <a:spAutoFit/>
           </a:bodyPr>
           <a:lstStyle/>
           <a:p>
             <a:r>
               <a:rPr lang="en-US" dirty="0"/>
-              <a:t>See the separate handout for formal definitions of big-Omega, big-Theta and how to use them</a:t>
+              <a:t>[See the separate handout for formal definitions of big-Omega, big-Theta and how to use them.]</a:t>
             </a:r>
           </a:p>
         </p:txBody>
